--- a/Documentção/LLD.pptx
+++ b/Documentção/LLD.pptx
@@ -275,7 +275,7 @@
           <a:p>
             <a:fld id="{21A32E1B-B85A-4E6E-9F15-7D367A4EB175}" type="datetimeFigureOut">
               <a:rPr lang="pt-BR" smtClean="0"/>
-              <a:t>10/04/2019</a:t>
+              <a:t>17/04/2019</a:t>
             </a:fld>
             <a:endParaRPr lang="pt-BR"/>
           </a:p>
@@ -445,7 +445,7 @@
           <a:p>
             <a:fld id="{21A32E1B-B85A-4E6E-9F15-7D367A4EB175}" type="datetimeFigureOut">
               <a:rPr lang="pt-BR" smtClean="0"/>
-              <a:t>10/04/2019</a:t>
+              <a:t>17/04/2019</a:t>
             </a:fld>
             <a:endParaRPr lang="pt-BR"/>
           </a:p>
@@ -625,7 +625,7 @@
           <a:p>
             <a:fld id="{21A32E1B-B85A-4E6E-9F15-7D367A4EB175}" type="datetimeFigureOut">
               <a:rPr lang="pt-BR" smtClean="0"/>
-              <a:t>10/04/2019</a:t>
+              <a:t>17/04/2019</a:t>
             </a:fld>
             <a:endParaRPr lang="pt-BR"/>
           </a:p>
@@ -795,7 +795,7 @@
           <a:p>
             <a:fld id="{21A32E1B-B85A-4E6E-9F15-7D367A4EB175}" type="datetimeFigureOut">
               <a:rPr lang="pt-BR" smtClean="0"/>
-              <a:t>10/04/2019</a:t>
+              <a:t>17/04/2019</a:t>
             </a:fld>
             <a:endParaRPr lang="pt-BR"/>
           </a:p>
@@ -1063,7 +1063,7 @@
           <a:p>
             <a:fld id="{21A32E1B-B85A-4E6E-9F15-7D367A4EB175}" type="datetimeFigureOut">
               <a:rPr lang="pt-BR" smtClean="0"/>
-              <a:t>10/04/2019</a:t>
+              <a:t>17/04/2019</a:t>
             </a:fld>
             <a:endParaRPr lang="pt-BR"/>
           </a:p>
@@ -1295,7 +1295,7 @@
           <a:p>
             <a:fld id="{21A32E1B-B85A-4E6E-9F15-7D367A4EB175}" type="datetimeFigureOut">
               <a:rPr lang="pt-BR" smtClean="0"/>
-              <a:t>10/04/2019</a:t>
+              <a:t>17/04/2019</a:t>
             </a:fld>
             <a:endParaRPr lang="pt-BR"/>
           </a:p>
@@ -1654,7 +1654,7 @@
           <a:p>
             <a:fld id="{21A32E1B-B85A-4E6E-9F15-7D367A4EB175}" type="datetimeFigureOut">
               <a:rPr lang="pt-BR" smtClean="0"/>
-              <a:t>10/04/2019</a:t>
+              <a:t>17/04/2019</a:t>
             </a:fld>
             <a:endParaRPr lang="pt-BR"/>
           </a:p>
@@ -1795,7 +1795,7 @@
           <a:p>
             <a:fld id="{21A32E1B-B85A-4E6E-9F15-7D367A4EB175}" type="datetimeFigureOut">
               <a:rPr lang="pt-BR" smtClean="0"/>
-              <a:t>10/04/2019</a:t>
+              <a:t>17/04/2019</a:t>
             </a:fld>
             <a:endParaRPr lang="pt-BR"/>
           </a:p>
@@ -1890,7 +1890,7 @@
           <a:p>
             <a:fld id="{21A32E1B-B85A-4E6E-9F15-7D367A4EB175}" type="datetimeFigureOut">
               <a:rPr lang="pt-BR" smtClean="0"/>
-              <a:t>10/04/2019</a:t>
+              <a:t>17/04/2019</a:t>
             </a:fld>
             <a:endParaRPr lang="pt-BR"/>
           </a:p>
@@ -2247,7 +2247,7 @@
           <a:p>
             <a:fld id="{21A32E1B-B85A-4E6E-9F15-7D367A4EB175}" type="datetimeFigureOut">
               <a:rPr lang="pt-BR" smtClean="0"/>
-              <a:t>10/04/2019</a:t>
+              <a:t>17/04/2019</a:t>
             </a:fld>
             <a:endParaRPr lang="pt-BR"/>
           </a:p>
@@ -2604,7 +2604,7 @@
           <a:p>
             <a:fld id="{21A32E1B-B85A-4E6E-9F15-7D367A4EB175}" type="datetimeFigureOut">
               <a:rPr lang="pt-BR" smtClean="0"/>
-              <a:t>10/04/2019</a:t>
+              <a:t>17/04/2019</a:t>
             </a:fld>
             <a:endParaRPr lang="pt-BR"/>
           </a:p>
@@ -2845,7 +2845,7 @@
           <a:p>
             <a:fld id="{21A32E1B-B85A-4E6E-9F15-7D367A4EB175}" type="datetimeFigureOut">
               <a:rPr lang="pt-BR" smtClean="0"/>
-              <a:t>10/04/2019</a:t>
+              <a:t>17/04/2019</a:t>
             </a:fld>
             <a:endParaRPr lang="pt-BR"/>
           </a:p>
@@ -3302,22 +3302,174 @@
           <a:chExt cx="0" cy="0"/>
         </a:xfrm>
       </p:grpSpPr>
-      <p:pic>
-        <p:nvPicPr>
-          <p:cNvPr id="7" name="Imagem 6">
+      <p:sp>
+        <p:nvSpPr>
+          <p:cNvPr id="36" name="CaixaDeTexto 35">
             <a:extLst>
               <a:ext uri="{FF2B5EF4-FFF2-40B4-BE49-F238E27FC236}">
-                <a16:creationId xmlns:a16="http://schemas.microsoft.com/office/drawing/2014/main" id="{2C61175A-1E00-4660-B189-1BFF7B153908}"/>
+                <a16:creationId xmlns:a16="http://schemas.microsoft.com/office/drawing/2014/main" id="{20652B10-1AA3-465E-89E7-6F679515ECA5}"/>
               </a:ext>
             </a:extLst>
           </p:cNvPr>
+          <p:cNvSpPr txBox="1"/>
+          <p:nvPr/>
+        </p:nvSpPr>
+        <p:spPr>
+          <a:xfrm>
+            <a:off x="3533144" y="171828"/>
+            <a:ext cx="5111652" cy="523220"/>
+          </a:xfrm>
+          <a:prstGeom prst="rect">
+            <a:avLst/>
+          </a:prstGeom>
+          <a:noFill/>
+        </p:spPr>
+        <p:txBody>
+          <a:bodyPr wrap="square" rtlCol="0">
+            <a:spAutoFit/>
+          </a:bodyPr>
+          <a:lstStyle/>
+          <a:p>
+            <a:r>
+              <a:rPr lang="pt-BR" sz="2800" dirty="0"/>
+              <a:t>LLD – Desenho de baixo </a:t>
+            </a:r>
+            <a:r>
+              <a:rPr lang="pt-BR" sz="2800" dirty="0" smtClean="0"/>
+              <a:t>nível</a:t>
+            </a:r>
+            <a:endParaRPr lang="pt-BR" sz="2800" dirty="0"/>
+          </a:p>
+        </p:txBody>
+      </p:sp>
+      <p:sp>
+        <p:nvSpPr>
+          <p:cNvPr id="34" name="CaixaDeTexto 33">
+            <a:extLst>
+              <a:ext uri="{FF2B5EF4-FFF2-40B4-BE49-F238E27FC236}">
+                <a16:creationId xmlns:a16="http://schemas.microsoft.com/office/drawing/2014/main" id="{20652B10-1AA3-465E-89E7-6F679515ECA5}"/>
+              </a:ext>
+            </a:extLst>
+          </p:cNvPr>
+          <p:cNvSpPr txBox="1"/>
+          <p:nvPr/>
+        </p:nvSpPr>
+        <p:spPr>
+          <a:xfrm>
+            <a:off x="1450344" y="741519"/>
+            <a:ext cx="1813556" cy="523220"/>
+          </a:xfrm>
+          <a:prstGeom prst="rect">
+            <a:avLst/>
+          </a:prstGeom>
+          <a:noFill/>
+        </p:spPr>
+        <p:txBody>
+          <a:bodyPr wrap="square" rtlCol="0">
+            <a:spAutoFit/>
+          </a:bodyPr>
+          <a:lstStyle/>
+          <a:p>
+            <a:r>
+              <a:rPr lang="pt-BR" sz="2800" dirty="0" smtClean="0"/>
+              <a:t>Rede Local</a:t>
+            </a:r>
+            <a:endParaRPr lang="pt-BR" sz="2800" dirty="0"/>
+          </a:p>
+        </p:txBody>
+      </p:sp>
+      <p:sp>
+        <p:nvSpPr>
+          <p:cNvPr id="40" name="CaixaDeTexto 39">
+            <a:extLst>
+              <a:ext uri="{FF2B5EF4-FFF2-40B4-BE49-F238E27FC236}">
+                <a16:creationId xmlns:a16="http://schemas.microsoft.com/office/drawing/2014/main" id="{20652B10-1AA3-465E-89E7-6F679515ECA5}"/>
+              </a:ext>
+            </a:extLst>
+          </p:cNvPr>
+          <p:cNvSpPr txBox="1"/>
+          <p:nvPr/>
+        </p:nvSpPr>
+        <p:spPr>
+          <a:xfrm>
+            <a:off x="8017417" y="741519"/>
+            <a:ext cx="1813556" cy="523220"/>
+          </a:xfrm>
+          <a:prstGeom prst="rect">
+            <a:avLst/>
+          </a:prstGeom>
+          <a:noFill/>
+        </p:spPr>
+        <p:txBody>
+          <a:bodyPr wrap="square" rtlCol="0">
+            <a:spAutoFit/>
+          </a:bodyPr>
+          <a:lstStyle/>
+          <a:p>
+            <a:r>
+              <a:rPr lang="pt-BR" sz="2800" dirty="0" smtClean="0"/>
+              <a:t>Nuvem</a:t>
+            </a:r>
+          </a:p>
+        </p:txBody>
+      </p:sp>
+      <p:sp>
+        <p:nvSpPr>
+          <p:cNvPr id="3" name="Retângulo 2"/>
+          <p:cNvSpPr/>
+          <p:nvPr/>
+        </p:nvSpPr>
+        <p:spPr>
+          <a:xfrm>
+            <a:off x="113715" y="1330618"/>
+            <a:ext cx="4996061" cy="2527300"/>
+          </a:xfrm>
+          <a:prstGeom prst="rect">
+            <a:avLst/>
+          </a:prstGeom>
+          <a:noFill/>
+          <a:ln w="38100">
+            <a:solidFill>
+              <a:schemeClr val="bg1">
+                <a:lumMod val="95000"/>
+                <a:lumOff val="5000"/>
+              </a:schemeClr>
+            </a:solidFill>
+          </a:ln>
+        </p:spPr>
+        <p:style>
+          <a:lnRef idx="2">
+            <a:schemeClr val="accent6"/>
+          </a:lnRef>
+          <a:fillRef idx="1">
+            <a:schemeClr val="lt1"/>
+          </a:fillRef>
+          <a:effectRef idx="0">
+            <a:schemeClr val="accent6"/>
+          </a:effectRef>
+          <a:fontRef idx="minor">
+            <a:schemeClr val="dk1"/>
+          </a:fontRef>
+        </p:style>
+        <p:txBody>
+          <a:bodyPr rtlCol="0" anchor="ctr"/>
+          <a:lstStyle/>
+          <a:p>
+            <a:pPr algn="ctr"/>
+            <a:endParaRPr lang="pt-BR"/>
+          </a:p>
+        </p:txBody>
+      </p:sp>
+      <p:pic>
+        <p:nvPicPr>
+          <p:cNvPr id="8" name="Imagem 7"/>
           <p:cNvPicPr>
             <a:picLocks noChangeAspect="1"/>
           </p:cNvPicPr>
           <p:nvPr/>
         </p:nvPicPr>
         <p:blipFill>
-          <a:blip r:embed="rId2" cstate="hqprint">
+          <a:blip r:embed="rId2">
             <a:extLst>
               <a:ext uri="{28A0092B-C50C-407E-A947-70E740481C1C}">
                 <a14:useLocalDpi xmlns:a14="http://schemas.microsoft.com/office/drawing/2010/main" val="0"/>
@@ -3330,302 +3482,17 @@
         </p:blipFill>
         <p:spPr>
           <a:xfrm>
-            <a:off x="614044" y="1809445"/>
-            <a:ext cx="1401223" cy="1401223"/>
+            <a:off x="1402400" y="1490139"/>
+            <a:ext cx="3081320" cy="1670980"/>
           </a:xfrm>
           <a:prstGeom prst="rect">
             <a:avLst/>
           </a:prstGeom>
         </p:spPr>
       </p:pic>
-      <p:sp>
-        <p:nvSpPr>
-          <p:cNvPr id="35" name="CaixaDeTexto 34">
-            <a:extLst>
-              <a:ext uri="{FF2B5EF4-FFF2-40B4-BE49-F238E27FC236}">
-                <a16:creationId xmlns:a16="http://schemas.microsoft.com/office/drawing/2014/main" id="{C6D8681D-4CB4-4874-8979-5ADF1AA090C4}"/>
-              </a:ext>
-            </a:extLst>
-          </p:cNvPr>
-          <p:cNvSpPr txBox="1"/>
-          <p:nvPr/>
-        </p:nvSpPr>
-        <p:spPr>
-          <a:xfrm>
-            <a:off x="4821730" y="98066"/>
-            <a:ext cx="3651199" cy="461665"/>
-          </a:xfrm>
-          <a:prstGeom prst="rect">
-            <a:avLst/>
-          </a:prstGeom>
-          <a:noFill/>
-        </p:spPr>
-        <p:txBody>
-          <a:bodyPr wrap="square" rtlCol="0">
-            <a:spAutoFit/>
-          </a:bodyPr>
-          <a:lstStyle/>
-          <a:p>
-            <a:r>
-              <a:rPr lang="pt-BR" sz="2400" dirty="0" smtClean="0"/>
-              <a:t>Arquitetura de Solução</a:t>
-            </a:r>
-            <a:endParaRPr lang="pt-BR" sz="2400" dirty="0"/>
-          </a:p>
-        </p:txBody>
-      </p:sp>
-      <p:sp>
-        <p:nvSpPr>
-          <p:cNvPr id="36" name="CaixaDeTexto 35">
-            <a:extLst>
-              <a:ext uri="{FF2B5EF4-FFF2-40B4-BE49-F238E27FC236}">
-                <a16:creationId xmlns:a16="http://schemas.microsoft.com/office/drawing/2014/main" id="{20652B10-1AA3-465E-89E7-6F679515ECA5}"/>
-              </a:ext>
-            </a:extLst>
-          </p:cNvPr>
-          <p:cNvSpPr txBox="1"/>
-          <p:nvPr/>
-        </p:nvSpPr>
-        <p:spPr>
-          <a:xfrm>
-            <a:off x="4604385" y="590422"/>
-            <a:ext cx="4161782" cy="461665"/>
-          </a:xfrm>
-          <a:prstGeom prst="rect">
-            <a:avLst/>
-          </a:prstGeom>
-          <a:noFill/>
-        </p:spPr>
-        <p:txBody>
-          <a:bodyPr wrap="square" rtlCol="0">
-            <a:spAutoFit/>
-          </a:bodyPr>
-          <a:lstStyle/>
-          <a:p>
-            <a:r>
-              <a:rPr lang="pt-BR" sz="2400" dirty="0" smtClean="0"/>
-              <a:t>LLD – Desenho de baixo nível</a:t>
-            </a:r>
-            <a:endParaRPr lang="pt-BR" sz="2400" dirty="0"/>
-          </a:p>
-        </p:txBody>
-      </p:sp>
-      <p:sp>
-        <p:nvSpPr>
-          <p:cNvPr id="14" name="CaixaDeTexto 13"/>
-          <p:cNvSpPr txBox="1"/>
-          <p:nvPr/>
-        </p:nvSpPr>
-        <p:spPr>
-          <a:xfrm>
-            <a:off x="289634" y="1278564"/>
-            <a:ext cx="2193742" cy="369332"/>
-          </a:xfrm>
-          <a:prstGeom prst="rect">
-            <a:avLst/>
-          </a:prstGeom>
-          <a:noFill/>
-        </p:spPr>
-        <p:txBody>
-          <a:bodyPr wrap="none" rtlCol="0">
-            <a:spAutoFit/>
-          </a:bodyPr>
-          <a:lstStyle/>
-          <a:p>
-            <a:r>
-              <a:rPr lang="pt-BR" dirty="0" smtClean="0"/>
-              <a:t> </a:t>
-            </a:r>
-            <a:r>
-              <a:rPr lang="pt-BR" dirty="0" smtClean="0">
-                <a:latin typeface="Arial" panose="020B0604020202020204" pitchFamily="34" charset="0"/>
-                <a:cs typeface="Arial" panose="020B0604020202020204" pitchFamily="34" charset="0"/>
-              </a:rPr>
-              <a:t>Sensores DHT 11 </a:t>
-            </a:r>
-          </a:p>
-        </p:txBody>
-      </p:sp>
-      <p:sp>
-        <p:nvSpPr>
-          <p:cNvPr id="33" name="Seta para a Direita 32"/>
-          <p:cNvSpPr/>
-          <p:nvPr/>
-        </p:nvSpPr>
-        <p:spPr>
-          <a:xfrm>
-            <a:off x="2394483" y="2333239"/>
-            <a:ext cx="1265316" cy="653514"/>
-          </a:xfrm>
-          <a:prstGeom prst="rightArrow">
-            <a:avLst/>
-          </a:prstGeom>
-        </p:spPr>
-        <p:style>
-          <a:lnRef idx="2">
-            <a:schemeClr val="accent1">
-              <a:shade val="50000"/>
-            </a:schemeClr>
-          </a:lnRef>
-          <a:fillRef idx="1">
-            <a:schemeClr val="accent1"/>
-          </a:fillRef>
-          <a:effectRef idx="0">
-            <a:schemeClr val="accent1"/>
-          </a:effectRef>
-          <a:fontRef idx="minor">
-            <a:schemeClr val="lt1"/>
-          </a:fontRef>
-        </p:style>
-        <p:txBody>
-          <a:bodyPr rtlCol="0" anchor="ctr"/>
-          <a:lstStyle/>
-          <a:p>
-            <a:pPr algn="ctr"/>
-            <a:endParaRPr lang="pt-BR"/>
-          </a:p>
-        </p:txBody>
-      </p:sp>
-      <p:sp>
-        <p:nvSpPr>
-          <p:cNvPr id="11" name="CaixaDeTexto 10"/>
-          <p:cNvSpPr txBox="1"/>
-          <p:nvPr/>
-        </p:nvSpPr>
-        <p:spPr>
-          <a:xfrm>
-            <a:off x="4018705" y="1249411"/>
-            <a:ext cx="2249334" cy="646331"/>
-          </a:xfrm>
-          <a:prstGeom prst="rect">
-            <a:avLst/>
-          </a:prstGeom>
-          <a:noFill/>
-        </p:spPr>
-        <p:txBody>
-          <a:bodyPr wrap="none" rtlCol="0">
-            <a:spAutoFit/>
-          </a:bodyPr>
-          <a:lstStyle/>
-          <a:p>
-            <a:r>
-              <a:rPr lang="pt-BR" dirty="0" smtClean="0"/>
-              <a:t> </a:t>
-            </a:r>
-            <a:r>
-              <a:rPr lang="pt-BR" dirty="0" smtClean="0">
-                <a:latin typeface="Arial" panose="020B0604020202020204" pitchFamily="34" charset="0"/>
-                <a:cs typeface="Arial" panose="020B0604020202020204" pitchFamily="34" charset="0"/>
-              </a:rPr>
-              <a:t>Sensores em </a:t>
-            </a:r>
-            <a:br>
-              <a:rPr lang="pt-BR" dirty="0" smtClean="0">
-                <a:latin typeface="Arial" panose="020B0604020202020204" pitchFamily="34" charset="0"/>
-                <a:cs typeface="Arial" panose="020B0604020202020204" pitchFamily="34" charset="0"/>
-              </a:rPr>
-            </a:br>
-            <a:r>
-              <a:rPr lang="pt-BR" dirty="0" smtClean="0">
-                <a:latin typeface="Arial" panose="020B0604020202020204" pitchFamily="34" charset="0"/>
-                <a:cs typeface="Arial" panose="020B0604020202020204" pitchFamily="34" charset="0"/>
-              </a:rPr>
-              <a:t>pontos estratégicos </a:t>
-            </a:r>
-            <a:endParaRPr lang="pt-BR" dirty="0" smtClean="0">
-              <a:latin typeface="Arial" panose="020B0604020202020204" pitchFamily="34" charset="0"/>
-              <a:cs typeface="Arial" panose="020B0604020202020204" pitchFamily="34" charset="0"/>
-            </a:endParaRPr>
-          </a:p>
-        </p:txBody>
-      </p:sp>
-      <p:sp>
-        <p:nvSpPr>
-          <p:cNvPr id="12" name="CaixaDeTexto 11"/>
-          <p:cNvSpPr txBox="1"/>
-          <p:nvPr/>
-        </p:nvSpPr>
-        <p:spPr>
-          <a:xfrm>
-            <a:off x="2483376" y="1986483"/>
-            <a:ext cx="1102486" cy="369332"/>
-          </a:xfrm>
-          <a:prstGeom prst="rect">
-            <a:avLst/>
-          </a:prstGeom>
-          <a:noFill/>
-        </p:spPr>
-        <p:txBody>
-          <a:bodyPr wrap="square" rtlCol="0">
-            <a:spAutoFit/>
-          </a:bodyPr>
-          <a:lstStyle/>
-          <a:p>
-            <a:r>
-              <a:rPr lang="pt-BR" dirty="0" smtClean="0"/>
-              <a:t> </a:t>
-            </a:r>
-            <a:r>
-              <a:rPr lang="pt-BR" dirty="0" smtClean="0"/>
-              <a:t>instalar</a:t>
-            </a:r>
-            <a:r>
-              <a:rPr lang="pt-BR" dirty="0" smtClean="0">
-                <a:latin typeface="Arial" panose="020B0604020202020204" pitchFamily="34" charset="0"/>
-                <a:cs typeface="Arial" panose="020B0604020202020204" pitchFamily="34" charset="0"/>
-              </a:rPr>
-              <a:t> </a:t>
-            </a:r>
-            <a:endParaRPr lang="pt-BR" dirty="0" smtClean="0">
-              <a:latin typeface="Arial" panose="020B0604020202020204" pitchFamily="34" charset="0"/>
-              <a:cs typeface="Arial" panose="020B0604020202020204" pitchFamily="34" charset="0"/>
-            </a:endParaRPr>
-          </a:p>
-        </p:txBody>
-      </p:sp>
-      <p:sp>
-        <p:nvSpPr>
-          <p:cNvPr id="15" name="Seta para a Direita 14"/>
-          <p:cNvSpPr/>
-          <p:nvPr/>
-        </p:nvSpPr>
-        <p:spPr>
-          <a:xfrm rot="19972981">
-            <a:off x="6593716" y="1921292"/>
-            <a:ext cx="1529386" cy="653514"/>
-          </a:xfrm>
-          <a:prstGeom prst="rightArrow">
-            <a:avLst/>
-          </a:prstGeom>
-        </p:spPr>
-        <p:style>
-          <a:lnRef idx="2">
-            <a:schemeClr val="accent1">
-              <a:shade val="50000"/>
-            </a:schemeClr>
-          </a:lnRef>
-          <a:fillRef idx="1">
-            <a:schemeClr val="accent1"/>
-          </a:fillRef>
-          <a:effectRef idx="0">
-            <a:schemeClr val="accent1"/>
-          </a:effectRef>
-          <a:fontRef idx="minor">
-            <a:schemeClr val="lt1"/>
-          </a:fontRef>
-        </p:style>
-        <p:txBody>
-          <a:bodyPr rtlCol="0" anchor="ctr"/>
-          <a:lstStyle/>
-          <a:p>
-            <a:pPr algn="ctr"/>
-            <a:endParaRPr lang="pt-BR"/>
-          </a:p>
-        </p:txBody>
-      </p:sp>
       <p:pic>
         <p:nvPicPr>
-          <p:cNvPr id="4" name="Imagem 3"/>
+          <p:cNvPr id="9" name="Imagem 8"/>
           <p:cNvPicPr>
             <a:picLocks noChangeAspect="1"/>
           </p:cNvPicPr>
@@ -3645,8 +3512,8 @@
         </p:blipFill>
         <p:spPr>
           <a:xfrm>
-            <a:off x="8418643" y="1219375"/>
-            <a:ext cx="2045762" cy="819350"/>
+            <a:off x="369848" y="2513861"/>
+            <a:ext cx="1080495" cy="748860"/>
           </a:xfrm>
           <a:prstGeom prst="rect">
             <a:avLst/>
@@ -3655,7 +3522,7 @@
       </p:pic>
       <p:pic>
         <p:nvPicPr>
-          <p:cNvPr id="5" name="Imagem 4"/>
+          <p:cNvPr id="10" name="Imagem 9"/>
           <p:cNvPicPr>
             <a:picLocks noChangeAspect="1"/>
           </p:cNvPicPr>
@@ -3675,57 +3542,17 @@
         </p:blipFill>
         <p:spPr>
           <a:xfrm>
-            <a:off x="8499164" y="2921359"/>
-            <a:ext cx="1997349" cy="864797"/>
+            <a:off x="506192" y="1535479"/>
+            <a:ext cx="762884" cy="762884"/>
           </a:xfrm>
           <a:prstGeom prst="rect">
             <a:avLst/>
           </a:prstGeom>
         </p:spPr>
       </p:pic>
-      <p:sp>
-        <p:nvSpPr>
-          <p:cNvPr id="18" name="Seta para a Direita 17"/>
-          <p:cNvSpPr/>
-          <p:nvPr/>
-        </p:nvSpPr>
-        <p:spPr>
-          <a:xfrm rot="5400000">
-            <a:off x="9023868" y="2316111"/>
-            <a:ext cx="699325" cy="563201"/>
-          </a:xfrm>
-          <a:prstGeom prst="rightArrow">
-            <a:avLst/>
-          </a:prstGeom>
-        </p:spPr>
-        <p:style>
-          <a:lnRef idx="2">
-            <a:schemeClr val="accent1">
-              <a:shade val="50000"/>
-            </a:schemeClr>
-          </a:lnRef>
-          <a:fillRef idx="1">
-            <a:schemeClr val="accent1"/>
-          </a:fillRef>
-          <a:effectRef idx="0">
-            <a:schemeClr val="accent1"/>
-          </a:effectRef>
-          <a:fontRef idx="minor">
-            <a:schemeClr val="lt1"/>
-          </a:fontRef>
-        </p:style>
-        <p:txBody>
-          <a:bodyPr rtlCol="0" anchor="ctr"/>
-          <a:lstStyle/>
-          <a:p>
-            <a:pPr algn="ctr"/>
-            <a:endParaRPr lang="pt-BR"/>
-          </a:p>
-        </p:txBody>
-      </p:sp>
       <p:pic>
         <p:nvPicPr>
-          <p:cNvPr id="6" name="Imagem 5"/>
+          <p:cNvPr id="16" name="Imagem 15"/>
           <p:cNvPicPr>
             <a:picLocks noChangeAspect="1"/>
           </p:cNvPicPr>
@@ -3745,8 +3572,8 @@
         </p:blipFill>
         <p:spPr>
           <a:xfrm>
-            <a:off x="709531" y="4696218"/>
-            <a:ext cx="2853188" cy="1418064"/>
+            <a:off x="2408424" y="1789998"/>
+            <a:ext cx="1069271" cy="552262"/>
           </a:xfrm>
           <a:prstGeom prst="rect">
             <a:avLst/>
@@ -3755,7 +3582,7 @@
       </p:pic>
       <p:pic>
         <p:nvPicPr>
-          <p:cNvPr id="13" name="Imagem 12"/>
+          <p:cNvPr id="19" name="Imagem 18"/>
           <p:cNvPicPr>
             <a:picLocks noChangeAspect="1"/>
           </p:cNvPicPr>
@@ -3775,8 +3602,8 @@
         </p:blipFill>
         <p:spPr>
           <a:xfrm>
-            <a:off x="4693095" y="4731542"/>
-            <a:ext cx="2272483" cy="1399782"/>
+            <a:off x="4149754" y="1535479"/>
+            <a:ext cx="809892" cy="712860"/>
           </a:xfrm>
           <a:prstGeom prst="rect">
             <a:avLst/>
@@ -3785,195 +3612,101 @@
       </p:pic>
       <p:sp>
         <p:nvSpPr>
-          <p:cNvPr id="21" name="Seta para a Direita 20"/>
+          <p:cNvPr id="41" name="Retângulo 40"/>
           <p:cNvSpPr/>
           <p:nvPr/>
         </p:nvSpPr>
         <p:spPr>
-          <a:xfrm rot="10800000">
-            <a:off x="3710578" y="5069352"/>
-            <a:ext cx="834659" cy="653514"/>
-          </a:xfrm>
-          <a:prstGeom prst="rightArrow">
+          <a:xfrm>
+            <a:off x="6426165" y="1376879"/>
+            <a:ext cx="4996061" cy="2527300"/>
+          </a:xfrm>
+          <a:prstGeom prst="rect">
             <a:avLst/>
           </a:prstGeom>
+          <a:noFill/>
+          <a:ln w="38100">
+            <a:solidFill>
+              <a:schemeClr val="bg1">
+                <a:lumMod val="95000"/>
+                <a:lumOff val="5000"/>
+              </a:schemeClr>
+            </a:solidFill>
+          </a:ln>
         </p:spPr>
         <p:style>
           <a:lnRef idx="2">
-            <a:schemeClr val="accent1">
-              <a:shade val="50000"/>
-            </a:schemeClr>
+            <a:schemeClr val="accent6"/>
           </a:lnRef>
           <a:fillRef idx="1">
+            <a:schemeClr val="lt1"/>
+          </a:fillRef>
+          <a:effectRef idx="0">
+            <a:schemeClr val="accent6"/>
+          </a:effectRef>
+          <a:fontRef idx="minor">
+            <a:schemeClr val="dk1"/>
+          </a:fontRef>
+        </p:style>
+        <p:txBody>
+          <a:bodyPr rtlCol="0" anchor="ctr"/>
+          <a:lstStyle/>
+          <a:p>
+            <a:pPr algn="ctr"/>
+            <a:endParaRPr lang="pt-BR" u="sng" dirty="0"/>
+          </a:p>
+        </p:txBody>
+      </p:sp>
+      <p:cxnSp>
+        <p:nvCxnSpPr>
+          <p:cNvPr id="43" name="Conector reto 42"/>
+          <p:cNvCxnSpPr>
+            <a:stCxn id="3" idx="3"/>
+          </p:cNvCxnSpPr>
+          <p:nvPr/>
+        </p:nvCxnSpPr>
+        <p:spPr>
+          <a:xfrm>
+            <a:off x="5109776" y="2594268"/>
+            <a:ext cx="1295365" cy="0"/>
+          </a:xfrm>
+          <a:prstGeom prst="line">
+            <a:avLst/>
+          </a:prstGeom>
+          <a:ln w="38100">
+            <a:solidFill>
+              <a:schemeClr val="bg1">
+                <a:lumMod val="95000"/>
+                <a:lumOff val="5000"/>
+              </a:schemeClr>
+            </a:solidFill>
+          </a:ln>
+        </p:spPr>
+        <p:style>
+          <a:lnRef idx="1">
+            <a:schemeClr val="accent1"/>
+          </a:lnRef>
+          <a:fillRef idx="0">
             <a:schemeClr val="accent1"/>
           </a:fillRef>
           <a:effectRef idx="0">
             <a:schemeClr val="accent1"/>
           </a:effectRef>
           <a:fontRef idx="minor">
-            <a:schemeClr val="lt1"/>
+            <a:schemeClr val="tx1"/>
           </a:fontRef>
         </p:style>
-        <p:txBody>
-          <a:bodyPr rtlCol="0" anchor="ctr"/>
-          <a:lstStyle/>
-          <a:p>
-            <a:pPr algn="ctr"/>
-            <a:endParaRPr lang="pt-BR"/>
-          </a:p>
-        </p:txBody>
-      </p:sp>
-      <p:sp>
-        <p:nvSpPr>
-          <p:cNvPr id="23" name="CaixaDeTexto 22"/>
-          <p:cNvSpPr txBox="1"/>
-          <p:nvPr/>
-        </p:nvSpPr>
-        <p:spPr>
-          <a:xfrm>
-            <a:off x="8755413" y="840730"/>
-            <a:ext cx="1236236" cy="369332"/>
-          </a:xfrm>
-          <a:prstGeom prst="rect">
-            <a:avLst/>
-          </a:prstGeom>
-          <a:noFill/>
-        </p:spPr>
-        <p:txBody>
-          <a:bodyPr wrap="none" rtlCol="0">
-            <a:spAutoFit/>
-          </a:bodyPr>
-          <a:lstStyle/>
-          <a:p>
-            <a:r>
-              <a:rPr lang="pt-BR" dirty="0" smtClean="0"/>
-              <a:t> </a:t>
-            </a:r>
-            <a:r>
-              <a:rPr lang="pt-BR" dirty="0" smtClean="0">
-                <a:latin typeface="Arial" panose="020B0604020202020204" pitchFamily="34" charset="0"/>
-                <a:cs typeface="Arial" panose="020B0604020202020204" pitchFamily="34" charset="0"/>
-              </a:rPr>
-              <a:t>Back </a:t>
-            </a:r>
-            <a:r>
-              <a:rPr lang="pt-BR" dirty="0" err="1" smtClean="0">
-                <a:latin typeface="Arial" panose="020B0604020202020204" pitchFamily="34" charset="0"/>
-                <a:cs typeface="Arial" panose="020B0604020202020204" pitchFamily="34" charset="0"/>
-              </a:rPr>
-              <a:t>End</a:t>
-            </a:r>
-            <a:endParaRPr lang="pt-BR" dirty="0" smtClean="0">
-              <a:latin typeface="Arial" panose="020B0604020202020204" pitchFamily="34" charset="0"/>
-              <a:cs typeface="Arial" panose="020B0604020202020204" pitchFamily="34" charset="0"/>
-            </a:endParaRPr>
-          </a:p>
-        </p:txBody>
-      </p:sp>
-      <p:sp>
-        <p:nvSpPr>
-          <p:cNvPr id="24" name="CaixaDeTexto 23"/>
-          <p:cNvSpPr txBox="1"/>
-          <p:nvPr/>
-        </p:nvSpPr>
-        <p:spPr>
-          <a:xfrm>
-            <a:off x="5065490" y="4195125"/>
-            <a:ext cx="1463344" cy="369332"/>
-          </a:xfrm>
-          <a:prstGeom prst="rect">
-            <a:avLst/>
-          </a:prstGeom>
-          <a:noFill/>
-        </p:spPr>
-        <p:txBody>
-          <a:bodyPr wrap="square" rtlCol="0">
-            <a:spAutoFit/>
-          </a:bodyPr>
-          <a:lstStyle/>
-          <a:p>
-            <a:r>
-              <a:rPr lang="pt-BR" dirty="0" smtClean="0"/>
-              <a:t> </a:t>
-            </a:r>
-            <a:r>
-              <a:rPr lang="pt-BR" dirty="0" smtClean="0">
-                <a:latin typeface="Arial" panose="020B0604020202020204" pitchFamily="34" charset="0"/>
-                <a:cs typeface="Arial" panose="020B0604020202020204" pitchFamily="34" charset="0"/>
-              </a:rPr>
-              <a:t>Front </a:t>
-            </a:r>
-            <a:r>
-              <a:rPr lang="pt-BR" dirty="0" err="1" smtClean="0">
-                <a:latin typeface="Arial" panose="020B0604020202020204" pitchFamily="34" charset="0"/>
-                <a:cs typeface="Arial" panose="020B0604020202020204" pitchFamily="34" charset="0"/>
-              </a:rPr>
-              <a:t>End</a:t>
-            </a:r>
-            <a:endParaRPr lang="pt-BR" dirty="0" smtClean="0">
-              <a:latin typeface="Arial" panose="020B0604020202020204" pitchFamily="34" charset="0"/>
-              <a:cs typeface="Arial" panose="020B0604020202020204" pitchFamily="34" charset="0"/>
-            </a:endParaRPr>
-          </a:p>
-        </p:txBody>
-      </p:sp>
-      <p:sp>
-        <p:nvSpPr>
-          <p:cNvPr id="25" name="CaixaDeTexto 24"/>
-          <p:cNvSpPr txBox="1"/>
-          <p:nvPr/>
-        </p:nvSpPr>
-        <p:spPr>
-          <a:xfrm>
-            <a:off x="889630" y="4287637"/>
-            <a:ext cx="2492990" cy="369332"/>
-          </a:xfrm>
-          <a:prstGeom prst="rect">
-            <a:avLst/>
-          </a:prstGeom>
-          <a:noFill/>
-        </p:spPr>
-        <p:txBody>
-          <a:bodyPr wrap="none" rtlCol="0">
-            <a:spAutoFit/>
-          </a:bodyPr>
-          <a:lstStyle/>
-          <a:p>
-            <a:r>
-              <a:rPr lang="pt-BR" dirty="0" smtClean="0"/>
-              <a:t> </a:t>
-            </a:r>
-            <a:r>
-              <a:rPr lang="pt-BR" dirty="0" err="1" smtClean="0">
-                <a:latin typeface="Arial" panose="020B0604020202020204" pitchFamily="34" charset="0"/>
-                <a:cs typeface="Arial" panose="020B0604020202020204" pitchFamily="34" charset="0"/>
-              </a:rPr>
-              <a:t>Dashbord</a:t>
-            </a:r>
-            <a:r>
-              <a:rPr lang="pt-BR" dirty="0" smtClean="0">
-                <a:latin typeface="Arial" panose="020B0604020202020204" pitchFamily="34" charset="0"/>
-                <a:cs typeface="Arial" panose="020B0604020202020204" pitchFamily="34" charset="0"/>
-              </a:rPr>
-              <a:t> do sistema </a:t>
-            </a:r>
-            <a:endParaRPr lang="pt-BR" dirty="0" smtClean="0">
-              <a:latin typeface="Arial" panose="020B0604020202020204" pitchFamily="34" charset="0"/>
-              <a:cs typeface="Arial" panose="020B0604020202020204" pitchFamily="34" charset="0"/>
-            </a:endParaRPr>
-          </a:p>
-        </p:txBody>
-      </p:sp>
+      </p:cxnSp>
       <p:pic>
         <p:nvPicPr>
-          <p:cNvPr id="17" name="Imagem 16"/>
+          <p:cNvPr id="47" name="Imagem 46"/>
           <p:cNvPicPr>
             <a:picLocks noChangeAspect="1"/>
           </p:cNvPicPr>
           <p:nvPr/>
         </p:nvPicPr>
         <p:blipFill>
-          <a:blip r:embed="rId7" cstate="hqprint">
+          <a:blip r:embed="rId7">
             <a:extLst>
               <a:ext uri="{28A0092B-C50C-407E-A947-70E740481C1C}">
                 <a14:useLocalDpi xmlns:a14="http://schemas.microsoft.com/office/drawing/2010/main" val="0"/>
@@ -3986,185 +3719,24 @@
         </p:blipFill>
         <p:spPr>
           <a:xfrm>
-            <a:off x="4127908" y="1974307"/>
-            <a:ext cx="2287875" cy="1521437"/>
+            <a:off x="6559489" y="1765422"/>
+            <a:ext cx="1153677" cy="1153677"/>
           </a:xfrm>
           <a:prstGeom prst="rect">
             <a:avLst/>
           </a:prstGeom>
         </p:spPr>
       </p:pic>
-      <p:sp>
-        <p:nvSpPr>
-          <p:cNvPr id="27" name="CaixaDeTexto 26"/>
-          <p:cNvSpPr txBox="1"/>
-          <p:nvPr/>
-        </p:nvSpPr>
-        <p:spPr>
-          <a:xfrm rot="19944683">
-            <a:off x="6440585" y="1368007"/>
-            <a:ext cx="1358146" cy="646331"/>
-          </a:xfrm>
-          <a:prstGeom prst="rect">
-            <a:avLst/>
-          </a:prstGeom>
-          <a:noFill/>
-        </p:spPr>
-        <p:txBody>
-          <a:bodyPr wrap="square" rtlCol="0">
-            <a:spAutoFit/>
-          </a:bodyPr>
-          <a:lstStyle/>
-          <a:p>
-            <a:r>
-              <a:rPr lang="pt-BR" dirty="0" smtClean="0"/>
-              <a:t> </a:t>
-            </a:r>
-            <a:r>
-              <a:rPr lang="pt-BR" dirty="0" smtClean="0"/>
-              <a:t>Aquisição de dados</a:t>
-            </a:r>
-            <a:r>
-              <a:rPr lang="pt-BR" dirty="0" smtClean="0">
-                <a:latin typeface="Arial" panose="020B0604020202020204" pitchFamily="34" charset="0"/>
-                <a:cs typeface="Arial" panose="020B0604020202020204" pitchFamily="34" charset="0"/>
-              </a:rPr>
-              <a:t> </a:t>
-            </a:r>
-            <a:endParaRPr lang="pt-BR" dirty="0" smtClean="0">
-              <a:latin typeface="Arial" panose="020B0604020202020204" pitchFamily="34" charset="0"/>
-              <a:cs typeface="Arial" panose="020B0604020202020204" pitchFamily="34" charset="0"/>
-            </a:endParaRPr>
-          </a:p>
-        </p:txBody>
-      </p:sp>
-      <p:sp>
-        <p:nvSpPr>
-          <p:cNvPr id="28" name="CaixaDeTexto 27"/>
-          <p:cNvSpPr txBox="1"/>
-          <p:nvPr/>
-        </p:nvSpPr>
-        <p:spPr>
-          <a:xfrm>
-            <a:off x="9788887" y="2114630"/>
-            <a:ext cx="1762170" cy="646331"/>
-          </a:xfrm>
-          <a:prstGeom prst="rect">
-            <a:avLst/>
-          </a:prstGeom>
-          <a:noFill/>
-        </p:spPr>
-        <p:txBody>
-          <a:bodyPr wrap="square" rtlCol="0">
-            <a:spAutoFit/>
-          </a:bodyPr>
-          <a:lstStyle/>
-          <a:p>
-            <a:r>
-              <a:rPr lang="pt-BR" dirty="0" smtClean="0"/>
-              <a:t> </a:t>
-            </a:r>
-            <a:r>
-              <a:rPr lang="pt-BR" dirty="0" smtClean="0"/>
-              <a:t>Armazenamento de dados</a:t>
-            </a:r>
-            <a:r>
-              <a:rPr lang="pt-BR" dirty="0" smtClean="0">
-                <a:latin typeface="Arial" panose="020B0604020202020204" pitchFamily="34" charset="0"/>
-                <a:cs typeface="Arial" panose="020B0604020202020204" pitchFamily="34" charset="0"/>
-              </a:rPr>
-              <a:t> </a:t>
-            </a:r>
-            <a:endParaRPr lang="pt-BR" dirty="0" smtClean="0">
-              <a:latin typeface="Arial" panose="020B0604020202020204" pitchFamily="34" charset="0"/>
-              <a:cs typeface="Arial" panose="020B0604020202020204" pitchFamily="34" charset="0"/>
-            </a:endParaRPr>
-          </a:p>
-        </p:txBody>
-      </p:sp>
-      <p:sp>
-        <p:nvSpPr>
-          <p:cNvPr id="29" name="Seta para a Direita 28"/>
-          <p:cNvSpPr/>
-          <p:nvPr/>
-        </p:nvSpPr>
-        <p:spPr>
-          <a:xfrm rot="5400000">
-            <a:off x="9157624" y="3886158"/>
-            <a:ext cx="699325" cy="563201"/>
-          </a:xfrm>
-          <a:prstGeom prst="rightArrow">
-            <a:avLst/>
-          </a:prstGeom>
-        </p:spPr>
-        <p:style>
-          <a:lnRef idx="2">
-            <a:schemeClr val="accent1">
-              <a:shade val="50000"/>
-            </a:schemeClr>
-          </a:lnRef>
-          <a:fillRef idx="1">
-            <a:schemeClr val="accent1"/>
-          </a:fillRef>
-          <a:effectRef idx="0">
-            <a:schemeClr val="accent1"/>
-          </a:effectRef>
-          <a:fontRef idx="minor">
-            <a:schemeClr val="lt1"/>
-          </a:fontRef>
-        </p:style>
-        <p:txBody>
-          <a:bodyPr rtlCol="0" anchor="ctr"/>
-          <a:lstStyle/>
-          <a:p>
-            <a:pPr algn="ctr"/>
-            <a:endParaRPr lang="pt-BR"/>
-          </a:p>
-        </p:txBody>
-      </p:sp>
-      <p:sp>
-        <p:nvSpPr>
-          <p:cNvPr id="30" name="CaixaDeTexto 29"/>
-          <p:cNvSpPr txBox="1"/>
-          <p:nvPr/>
-        </p:nvSpPr>
-        <p:spPr>
-          <a:xfrm>
-            <a:off x="9880601" y="3800697"/>
-            <a:ext cx="1562100" cy="658769"/>
-          </a:xfrm>
-          <a:prstGeom prst="rect">
-            <a:avLst/>
-          </a:prstGeom>
-          <a:noFill/>
-        </p:spPr>
-        <p:txBody>
-          <a:bodyPr wrap="square" rtlCol="0">
-            <a:spAutoFit/>
-          </a:bodyPr>
-          <a:lstStyle/>
-          <a:p>
-            <a:r>
-              <a:rPr lang="pt-BR" dirty="0" smtClean="0"/>
-              <a:t>Requisição de dados</a:t>
-            </a:r>
-            <a:endParaRPr lang="pt-BR" dirty="0" smtClean="0">
-              <a:latin typeface="Arial" panose="020B0604020202020204" pitchFamily="34" charset="0"/>
-              <a:cs typeface="Arial" panose="020B0604020202020204" pitchFamily="34" charset="0"/>
-            </a:endParaRPr>
-          </a:p>
-        </p:txBody>
-      </p:sp>
       <p:pic>
         <p:nvPicPr>
-          <p:cNvPr id="31" name="Imagem 30"/>
+          <p:cNvPr id="48" name="Imagem 47"/>
           <p:cNvPicPr>
             <a:picLocks noChangeAspect="1"/>
           </p:cNvPicPr>
           <p:nvPr/>
         </p:nvPicPr>
         <p:blipFill>
-          <a:blip r:embed="rId3">
+          <a:blip r:embed="rId8">
             <a:extLst>
               <a:ext uri="{28A0092B-C50C-407E-A947-70E740481C1C}">
                 <a14:useLocalDpi xmlns:a14="http://schemas.microsoft.com/office/drawing/2010/main" val="0"/>
@@ -4177,64 +3749,533 @@
         </p:blipFill>
         <p:spPr>
           <a:xfrm>
-            <a:off x="8370762" y="4869096"/>
-            <a:ext cx="2568737" cy="1028807"/>
+            <a:off x="8436419" y="1404133"/>
+            <a:ext cx="975551" cy="975551"/>
           </a:xfrm>
           <a:prstGeom prst="rect">
             <a:avLst/>
           </a:prstGeom>
         </p:spPr>
       </p:pic>
-      <p:sp>
-        <p:nvSpPr>
-          <p:cNvPr id="34" name="Seta para a Direita 33"/>
-          <p:cNvSpPr/>
+      <p:pic>
+        <p:nvPicPr>
+          <p:cNvPr id="49" name="Imagem 48"/>
+          <p:cNvPicPr>
+            <a:picLocks noChangeAspect="1"/>
+          </p:cNvPicPr>
           <p:nvPr/>
-        </p:nvSpPr>
-        <p:spPr>
-          <a:xfrm rot="10800000">
-            <a:off x="7193011" y="5078493"/>
-            <a:ext cx="994972" cy="653514"/>
-          </a:xfrm>
-          <a:prstGeom prst="rightArrow">
+        </p:nvPicPr>
+        <p:blipFill>
+          <a:blip r:embed="rId9" cstate="hqprint">
+            <a:extLst>
+              <a:ext uri="{28A0092B-C50C-407E-A947-70E740481C1C}">
+                <a14:useLocalDpi xmlns:a14="http://schemas.microsoft.com/office/drawing/2010/main" val="0"/>
+              </a:ext>
+            </a:extLst>
+          </a:blip>
+          <a:stretch>
+            <a:fillRect/>
+          </a:stretch>
+        </p:blipFill>
+        <p:spPr>
+          <a:xfrm>
+            <a:off x="6426165" y="4572900"/>
+            <a:ext cx="752565" cy="812771"/>
+          </a:xfrm>
+          <a:prstGeom prst="rect">
             <a:avLst/>
           </a:prstGeom>
         </p:spPr>
+      </p:pic>
+      <p:pic>
+        <p:nvPicPr>
+          <p:cNvPr id="50" name="Imagem 49"/>
+          <p:cNvPicPr>
+            <a:picLocks noChangeAspect="1"/>
+          </p:cNvPicPr>
+          <p:nvPr/>
+        </p:nvPicPr>
+        <p:blipFill>
+          <a:blip r:embed="rId10">
+            <a:extLst>
+              <a:ext uri="{28A0092B-C50C-407E-A947-70E740481C1C}">
+                <a14:useLocalDpi xmlns:a14="http://schemas.microsoft.com/office/drawing/2010/main" val="0"/>
+              </a:ext>
+            </a:extLst>
+          </a:blip>
+          <a:stretch>
+            <a:fillRect/>
+          </a:stretch>
+        </p:blipFill>
+        <p:spPr>
+          <a:xfrm>
+            <a:off x="4091418" y="4747109"/>
+            <a:ext cx="1816109" cy="1049170"/>
+          </a:xfrm>
+          <a:prstGeom prst="rect">
+            <a:avLst/>
+          </a:prstGeom>
+        </p:spPr>
+      </p:pic>
+      <p:pic>
+        <p:nvPicPr>
+          <p:cNvPr id="51" name="Imagem 50"/>
+          <p:cNvPicPr>
+            <a:picLocks noChangeAspect="1"/>
+          </p:cNvPicPr>
+          <p:nvPr/>
+        </p:nvPicPr>
+        <p:blipFill>
+          <a:blip r:embed="rId11">
+            <a:extLst>
+              <a:ext uri="{28A0092B-C50C-407E-A947-70E740481C1C}">
+                <a14:useLocalDpi xmlns:a14="http://schemas.microsoft.com/office/drawing/2010/main" val="0"/>
+              </a:ext>
+            </a:extLst>
+          </a:blip>
+          <a:stretch>
+            <a:fillRect/>
+          </a:stretch>
+        </p:blipFill>
+        <p:spPr>
+          <a:xfrm>
+            <a:off x="9857962" y="1535479"/>
+            <a:ext cx="1414736" cy="1414736"/>
+          </a:xfrm>
+          <a:prstGeom prst="rect">
+            <a:avLst/>
+          </a:prstGeom>
+        </p:spPr>
+      </p:pic>
+      <p:pic>
+        <p:nvPicPr>
+          <p:cNvPr id="52" name="Imagem 51"/>
+          <p:cNvPicPr>
+            <a:picLocks noChangeAspect="1"/>
+          </p:cNvPicPr>
+          <p:nvPr/>
+        </p:nvPicPr>
+        <p:blipFill>
+          <a:blip r:embed="rId12" cstate="hqprint">
+            <a:extLst>
+              <a:ext uri="{28A0092B-C50C-407E-A947-70E740481C1C}">
+                <a14:useLocalDpi xmlns:a14="http://schemas.microsoft.com/office/drawing/2010/main" val="0"/>
+              </a:ext>
+            </a:extLst>
+          </a:blip>
+          <a:stretch>
+            <a:fillRect/>
+          </a:stretch>
+        </p:blipFill>
+        <p:spPr>
+          <a:xfrm>
+            <a:off x="8216760" y="2655150"/>
+            <a:ext cx="1414870" cy="848922"/>
+          </a:xfrm>
+          <a:prstGeom prst="rect">
+            <a:avLst/>
+          </a:prstGeom>
+        </p:spPr>
+      </p:pic>
+      <p:pic>
+        <p:nvPicPr>
+          <p:cNvPr id="53" name="Imagem 52"/>
+          <p:cNvPicPr>
+            <a:picLocks noChangeAspect="1"/>
+          </p:cNvPicPr>
+          <p:nvPr/>
+        </p:nvPicPr>
+        <p:blipFill>
+          <a:blip r:embed="rId2">
+            <a:extLst>
+              <a:ext uri="{28A0092B-C50C-407E-A947-70E740481C1C}">
+                <a14:useLocalDpi xmlns:a14="http://schemas.microsoft.com/office/drawing/2010/main" val="0"/>
+              </a:ext>
+            </a:extLst>
+          </a:blip>
+          <a:stretch>
+            <a:fillRect/>
+          </a:stretch>
+        </p:blipFill>
+        <p:spPr>
+          <a:xfrm>
+            <a:off x="2633021" y="4450177"/>
+            <a:ext cx="4732902" cy="2484774"/>
+          </a:xfrm>
+          <a:prstGeom prst="rect">
+            <a:avLst/>
+          </a:prstGeom>
+        </p:spPr>
+      </p:pic>
+      <p:cxnSp>
+        <p:nvCxnSpPr>
+          <p:cNvPr id="55" name="Conector Angulado 54"/>
+          <p:cNvCxnSpPr>
+            <a:stCxn id="41" idx="2"/>
+            <a:endCxn id="53" idx="0"/>
+          </p:cNvCxnSpPr>
+          <p:nvPr/>
+        </p:nvCxnSpPr>
+        <p:spPr>
+          <a:xfrm rot="5400000">
+            <a:off x="6688835" y="2214816"/>
+            <a:ext cx="545998" cy="3924724"/>
+          </a:xfrm>
+          <a:prstGeom prst="bentConnector3">
+            <a:avLst>
+              <a:gd name="adj1" fmla="val 50000"/>
+            </a:avLst>
+          </a:prstGeom>
+          <a:ln w="38100">
+            <a:solidFill>
+              <a:schemeClr val="bg1">
+                <a:lumMod val="95000"/>
+                <a:lumOff val="5000"/>
+              </a:schemeClr>
+            </a:solidFill>
+            <a:tailEnd type="triangle"/>
+          </a:ln>
+        </p:spPr>
         <p:style>
-          <a:lnRef idx="2">
-            <a:schemeClr val="accent1">
-              <a:shade val="50000"/>
-            </a:schemeClr>
+          <a:lnRef idx="1">
+            <a:schemeClr val="accent1"/>
           </a:lnRef>
-          <a:fillRef idx="1">
+          <a:fillRef idx="0">
             <a:schemeClr val="accent1"/>
           </a:fillRef>
           <a:effectRef idx="0">
             <a:schemeClr val="accent1"/>
           </a:effectRef>
           <a:fontRef idx="minor">
-            <a:schemeClr val="lt1"/>
+            <a:schemeClr val="tx1"/>
           </a:fontRef>
         </p:style>
-        <p:txBody>
-          <a:bodyPr rtlCol="0" anchor="ctr"/>
-          <a:lstStyle/>
-          <a:p>
-            <a:pPr algn="ctr"/>
-            <a:endParaRPr lang="pt-BR"/>
-          </a:p>
-        </p:txBody>
-      </p:sp>
-      <p:sp>
-        <p:nvSpPr>
-          <p:cNvPr id="38" name="CaixaDeTexto 37"/>
+      </p:cxnSp>
+      <p:cxnSp>
+        <p:nvCxnSpPr>
+          <p:cNvPr id="72" name="Conector reto 71"/>
+          <p:cNvCxnSpPr>
+            <a:stCxn id="47" idx="3"/>
+            <a:endCxn id="52" idx="1"/>
+          </p:cNvCxnSpPr>
+          <p:nvPr/>
+        </p:nvCxnSpPr>
+        <p:spPr>
+          <a:xfrm>
+            <a:off x="7713166" y="2342261"/>
+            <a:ext cx="503594" cy="737350"/>
+          </a:xfrm>
+          <a:prstGeom prst="line">
+            <a:avLst/>
+          </a:prstGeom>
+          <a:ln w="38100">
+            <a:solidFill>
+              <a:schemeClr val="bg1">
+                <a:lumMod val="95000"/>
+                <a:lumOff val="5000"/>
+              </a:schemeClr>
+            </a:solidFill>
+          </a:ln>
+        </p:spPr>
+        <p:style>
+          <a:lnRef idx="1">
+            <a:schemeClr val="accent1"/>
+          </a:lnRef>
+          <a:fillRef idx="0">
+            <a:schemeClr val="accent1"/>
+          </a:fillRef>
+          <a:effectRef idx="0">
+            <a:schemeClr val="accent1"/>
+          </a:effectRef>
+          <a:fontRef idx="minor">
+            <a:schemeClr val="tx1"/>
+          </a:fontRef>
+        </p:style>
+      </p:cxnSp>
+      <p:cxnSp>
+        <p:nvCxnSpPr>
+          <p:cNvPr id="77" name="Conector reto 76"/>
+          <p:cNvCxnSpPr>
+            <a:stCxn id="47" idx="3"/>
+            <a:endCxn id="48" idx="1"/>
+          </p:cNvCxnSpPr>
+          <p:nvPr/>
+        </p:nvCxnSpPr>
+        <p:spPr>
+          <a:xfrm flipV="1">
+            <a:off x="7713166" y="1891909"/>
+            <a:ext cx="723253" cy="450352"/>
+          </a:xfrm>
+          <a:prstGeom prst="line">
+            <a:avLst/>
+          </a:prstGeom>
+          <a:ln w="38100">
+            <a:solidFill>
+              <a:schemeClr val="bg1">
+                <a:lumMod val="95000"/>
+                <a:lumOff val="5000"/>
+              </a:schemeClr>
+            </a:solidFill>
+          </a:ln>
+        </p:spPr>
+        <p:style>
+          <a:lnRef idx="1">
+            <a:schemeClr val="accent1"/>
+          </a:lnRef>
+          <a:fillRef idx="0">
+            <a:schemeClr val="accent1"/>
+          </a:fillRef>
+          <a:effectRef idx="0">
+            <a:schemeClr val="accent1"/>
+          </a:effectRef>
+          <a:fontRef idx="minor">
+            <a:schemeClr val="tx1"/>
+          </a:fontRef>
+        </p:style>
+      </p:cxnSp>
+      <p:cxnSp>
+        <p:nvCxnSpPr>
+          <p:cNvPr id="83" name="Conector reto 82"/>
+          <p:cNvCxnSpPr>
+            <a:stCxn id="48" idx="2"/>
+            <a:endCxn id="48" idx="2"/>
+          </p:cNvCxnSpPr>
+          <p:nvPr/>
+        </p:nvCxnSpPr>
+        <p:spPr>
+          <a:xfrm>
+            <a:off x="8924195" y="2379684"/>
+            <a:ext cx="0" cy="0"/>
+          </a:xfrm>
+          <a:prstGeom prst="line">
+            <a:avLst/>
+          </a:prstGeom>
+        </p:spPr>
+        <p:style>
+          <a:lnRef idx="1">
+            <a:schemeClr val="accent1"/>
+          </a:lnRef>
+          <a:fillRef idx="0">
+            <a:schemeClr val="accent1"/>
+          </a:fillRef>
+          <a:effectRef idx="0">
+            <a:schemeClr val="accent1"/>
+          </a:effectRef>
+          <a:fontRef idx="minor">
+            <a:schemeClr val="tx1"/>
+          </a:fontRef>
+        </p:style>
+      </p:cxnSp>
+      <p:cxnSp>
+        <p:nvCxnSpPr>
+          <p:cNvPr id="85" name="Conector reto 84"/>
+          <p:cNvCxnSpPr>
+            <a:stCxn id="48" idx="2"/>
+            <a:endCxn id="52" idx="0"/>
+          </p:cNvCxnSpPr>
+          <p:nvPr/>
+        </p:nvCxnSpPr>
+        <p:spPr>
+          <a:xfrm>
+            <a:off x="8924195" y="2379684"/>
+            <a:ext cx="0" cy="275466"/>
+          </a:xfrm>
+          <a:prstGeom prst="line">
+            <a:avLst/>
+          </a:prstGeom>
+          <a:ln w="38100">
+            <a:solidFill>
+              <a:schemeClr val="bg1">
+                <a:lumMod val="95000"/>
+                <a:lumOff val="5000"/>
+              </a:schemeClr>
+            </a:solidFill>
+          </a:ln>
+        </p:spPr>
+        <p:style>
+          <a:lnRef idx="1">
+            <a:schemeClr val="accent1"/>
+          </a:lnRef>
+          <a:fillRef idx="0">
+            <a:schemeClr val="accent1"/>
+          </a:fillRef>
+          <a:effectRef idx="0">
+            <a:schemeClr val="accent1"/>
+          </a:effectRef>
+          <a:fontRef idx="minor">
+            <a:schemeClr val="tx1"/>
+          </a:fontRef>
+        </p:style>
+      </p:cxnSp>
+      <p:cxnSp>
+        <p:nvCxnSpPr>
+          <p:cNvPr id="109" name="Conector reto 108"/>
+          <p:cNvCxnSpPr>
+            <a:stCxn id="52" idx="2"/>
+            <a:endCxn id="41" idx="2"/>
+          </p:cNvCxnSpPr>
+          <p:nvPr/>
+        </p:nvCxnSpPr>
+        <p:spPr>
+          <a:xfrm>
+            <a:off x="8924195" y="3504072"/>
+            <a:ext cx="1" cy="400107"/>
+          </a:xfrm>
+          <a:prstGeom prst="line">
+            <a:avLst/>
+          </a:prstGeom>
+          <a:ln w="38100">
+            <a:solidFill>
+              <a:schemeClr val="bg1">
+                <a:lumMod val="95000"/>
+                <a:lumOff val="5000"/>
+              </a:schemeClr>
+            </a:solidFill>
+          </a:ln>
+        </p:spPr>
+        <p:style>
+          <a:lnRef idx="1">
+            <a:schemeClr val="accent1"/>
+          </a:lnRef>
+          <a:fillRef idx="0">
+            <a:schemeClr val="accent1"/>
+          </a:fillRef>
+          <a:effectRef idx="0">
+            <a:schemeClr val="accent1"/>
+          </a:effectRef>
+          <a:fontRef idx="minor">
+            <a:schemeClr val="tx1"/>
+          </a:fontRef>
+        </p:style>
+      </p:cxnSp>
+      <p:cxnSp>
+        <p:nvCxnSpPr>
+          <p:cNvPr id="134" name="Conector reto 133"/>
+          <p:cNvCxnSpPr>
+            <a:stCxn id="10" idx="2"/>
+            <a:endCxn id="9" idx="0"/>
+          </p:cNvCxnSpPr>
+          <p:nvPr/>
+        </p:nvCxnSpPr>
+        <p:spPr>
+          <a:xfrm>
+            <a:off x="887634" y="2298363"/>
+            <a:ext cx="22462" cy="215498"/>
+          </a:xfrm>
+          <a:prstGeom prst="line">
+            <a:avLst/>
+          </a:prstGeom>
+          <a:ln w="38100">
+            <a:solidFill>
+              <a:schemeClr val="bg1">
+                <a:lumMod val="95000"/>
+                <a:lumOff val="5000"/>
+              </a:schemeClr>
+            </a:solidFill>
+          </a:ln>
+        </p:spPr>
+        <p:style>
+          <a:lnRef idx="1">
+            <a:schemeClr val="accent1"/>
+          </a:lnRef>
+          <a:fillRef idx="0">
+            <a:schemeClr val="accent1"/>
+          </a:fillRef>
+          <a:effectRef idx="0">
+            <a:schemeClr val="accent1"/>
+          </a:effectRef>
+          <a:fontRef idx="minor">
+            <a:schemeClr val="tx1"/>
+          </a:fontRef>
+        </p:style>
+      </p:cxnSp>
+      <p:cxnSp>
+        <p:nvCxnSpPr>
+          <p:cNvPr id="156" name="Conector reto 155"/>
+          <p:cNvCxnSpPr>
+            <a:stCxn id="171" idx="3"/>
+            <a:endCxn id="50" idx="1"/>
+          </p:cNvCxnSpPr>
+          <p:nvPr/>
+        </p:nvCxnSpPr>
+        <p:spPr>
+          <a:xfrm>
+            <a:off x="2943059" y="5271694"/>
+            <a:ext cx="1148359" cy="0"/>
+          </a:xfrm>
+          <a:prstGeom prst="line">
+            <a:avLst/>
+          </a:prstGeom>
+          <a:ln w="38100">
+            <a:solidFill>
+              <a:schemeClr val="bg1">
+                <a:lumMod val="95000"/>
+                <a:lumOff val="5000"/>
+              </a:schemeClr>
+            </a:solidFill>
+          </a:ln>
+        </p:spPr>
+        <p:style>
+          <a:lnRef idx="1">
+            <a:schemeClr val="accent1"/>
+          </a:lnRef>
+          <a:fillRef idx="0">
+            <a:schemeClr val="accent1"/>
+          </a:fillRef>
+          <a:effectRef idx="0">
+            <a:schemeClr val="accent1"/>
+          </a:effectRef>
+          <a:fontRef idx="minor">
+            <a:schemeClr val="tx1"/>
+          </a:fontRef>
+        </p:style>
+      </p:cxnSp>
+      <p:pic>
+        <p:nvPicPr>
+          <p:cNvPr id="171" name="Imagem 170"/>
+          <p:cNvPicPr>
+            <a:picLocks noChangeAspect="1"/>
+          </p:cNvPicPr>
+          <p:nvPr/>
+        </p:nvPicPr>
+        <p:blipFill>
+          <a:blip r:embed="rId13">
+            <a:extLst>
+              <a:ext uri="{28A0092B-C50C-407E-A947-70E740481C1C}">
+                <a14:useLocalDpi xmlns:a14="http://schemas.microsoft.com/office/drawing/2010/main" val="0"/>
+              </a:ext>
+            </a:extLst>
+          </a:blip>
+          <a:stretch>
+            <a:fillRect/>
+          </a:stretch>
+        </p:blipFill>
+        <p:spPr>
+          <a:xfrm>
+            <a:off x="1040025" y="4660004"/>
+            <a:ext cx="1903034" cy="1223379"/>
+          </a:xfrm>
+          <a:prstGeom prst="rect">
+            <a:avLst/>
+          </a:prstGeom>
+        </p:spPr>
+      </p:pic>
+      <p:sp>
+        <p:nvSpPr>
+          <p:cNvPr id="192" name="CaixaDeTexto 191">
+            <a:extLst>
+              <a:ext uri="{FF2B5EF4-FFF2-40B4-BE49-F238E27FC236}">
+                <a16:creationId xmlns:a16="http://schemas.microsoft.com/office/drawing/2014/main" id="{20652B10-1AA3-465E-89E7-6F679515ECA5}"/>
+              </a:ext>
+            </a:extLst>
+          </p:cNvPr>
           <p:cNvSpPr txBox="1"/>
           <p:nvPr/>
         </p:nvSpPr>
         <p:spPr>
           <a:xfrm>
-            <a:off x="7243995" y="4425391"/>
-            <a:ext cx="1134984" cy="661818"/>
+            <a:off x="7188343" y="4673009"/>
+            <a:ext cx="1813556" cy="646331"/>
           </a:xfrm>
           <a:prstGeom prst="rect">
             <a:avLst/>
@@ -4249,19 +4290,229 @@
           <a:p>
             <a:r>
               <a:rPr lang="pt-BR" dirty="0" smtClean="0"/>
-              <a:t> </a:t>
-            </a:r>
-            <a:r>
-              <a:rPr lang="pt-BR" dirty="0" smtClean="0">
-                <a:latin typeface="Arial" panose="020B0604020202020204" pitchFamily="34" charset="0"/>
-                <a:cs typeface="Arial" panose="020B0604020202020204" pitchFamily="34" charset="0"/>
-              </a:rPr>
-              <a:t>retorna dados</a:t>
-            </a:r>
-            <a:endParaRPr lang="pt-BR" dirty="0" smtClean="0">
-              <a:latin typeface="Arial" panose="020B0604020202020204" pitchFamily="34" charset="0"/>
-              <a:cs typeface="Arial" panose="020B0604020202020204" pitchFamily="34" charset="0"/>
-            </a:endParaRPr>
+              <a:t>Acesso </a:t>
+            </a:r>
+            <a:r>
+              <a:rPr lang="pt-BR" smtClean="0"/>
+              <a:t>via 3G,4G,WIFI’</a:t>
+            </a:r>
+            <a:endParaRPr lang="pt-BR" dirty="0"/>
+          </a:p>
+        </p:txBody>
+      </p:sp>
+      <p:sp>
+        <p:nvSpPr>
+          <p:cNvPr id="193" name="CaixaDeTexto 192">
+            <a:extLst>
+              <a:ext uri="{FF2B5EF4-FFF2-40B4-BE49-F238E27FC236}">
+                <a16:creationId xmlns:a16="http://schemas.microsoft.com/office/drawing/2014/main" id="{20652B10-1AA3-465E-89E7-6F679515ECA5}"/>
+              </a:ext>
+            </a:extLst>
+          </p:cNvPr>
+          <p:cNvSpPr txBox="1"/>
+          <p:nvPr/>
+        </p:nvSpPr>
+        <p:spPr>
+          <a:xfrm>
+            <a:off x="201317" y="3333434"/>
+            <a:ext cx="1813556" cy="338554"/>
+          </a:xfrm>
+          <a:prstGeom prst="rect">
+            <a:avLst/>
+          </a:prstGeom>
+          <a:noFill/>
+        </p:spPr>
+        <p:txBody>
+          <a:bodyPr wrap="square" rtlCol="0">
+            <a:spAutoFit/>
+          </a:bodyPr>
+          <a:lstStyle/>
+          <a:p>
+            <a:r>
+              <a:rPr lang="pt-BR" sz="1600" dirty="0" smtClean="0"/>
+              <a:t>Arduino + DHT11</a:t>
+            </a:r>
+            <a:endParaRPr lang="pt-BR" sz="1600" dirty="0"/>
+          </a:p>
+        </p:txBody>
+      </p:sp>
+      <p:sp>
+        <p:nvSpPr>
+          <p:cNvPr id="194" name="CaixaDeTexto 193">
+            <a:extLst>
+              <a:ext uri="{FF2B5EF4-FFF2-40B4-BE49-F238E27FC236}">
+                <a16:creationId xmlns:a16="http://schemas.microsoft.com/office/drawing/2014/main" id="{20652B10-1AA3-465E-89E7-6F679515ECA5}"/>
+              </a:ext>
+            </a:extLst>
+          </p:cNvPr>
+          <p:cNvSpPr txBox="1"/>
+          <p:nvPr/>
+        </p:nvSpPr>
+        <p:spPr>
+          <a:xfrm>
+            <a:off x="3054337" y="3079611"/>
+            <a:ext cx="1813556" cy="584775"/>
+          </a:xfrm>
+          <a:prstGeom prst="rect">
+            <a:avLst/>
+          </a:prstGeom>
+          <a:noFill/>
+        </p:spPr>
+        <p:txBody>
+          <a:bodyPr wrap="square" rtlCol="0">
+            <a:spAutoFit/>
+          </a:bodyPr>
+          <a:lstStyle/>
+          <a:p>
+            <a:r>
+              <a:rPr lang="pt-BR" sz="1600" dirty="0" smtClean="0"/>
+              <a:t>Computador conectado via WIFI</a:t>
+            </a:r>
+            <a:endParaRPr lang="pt-BR" sz="1600" dirty="0"/>
+          </a:p>
+        </p:txBody>
+      </p:sp>
+      <p:sp>
+        <p:nvSpPr>
+          <p:cNvPr id="195" name="CaixaDeTexto 194">
+            <a:extLst>
+              <a:ext uri="{FF2B5EF4-FFF2-40B4-BE49-F238E27FC236}">
+                <a16:creationId xmlns:a16="http://schemas.microsoft.com/office/drawing/2014/main" id="{20652B10-1AA3-465E-89E7-6F679515ECA5}"/>
+              </a:ext>
+            </a:extLst>
+          </p:cNvPr>
+          <p:cNvSpPr txBox="1"/>
+          <p:nvPr/>
+        </p:nvSpPr>
+        <p:spPr>
+          <a:xfrm>
+            <a:off x="1269076" y="5817693"/>
+            <a:ext cx="1813556" cy="923330"/>
+          </a:xfrm>
+          <a:prstGeom prst="rect">
+            <a:avLst/>
+          </a:prstGeom>
+          <a:noFill/>
+        </p:spPr>
+        <p:txBody>
+          <a:bodyPr wrap="square" rtlCol="0">
+            <a:spAutoFit/>
+          </a:bodyPr>
+          <a:lstStyle/>
+          <a:p>
+            <a:r>
+              <a:rPr lang="pt-BR" dirty="0" smtClean="0"/>
+              <a:t>Acesso por diferentes browsers</a:t>
+            </a:r>
+            <a:endParaRPr lang="pt-BR" dirty="0"/>
+          </a:p>
+        </p:txBody>
+      </p:sp>
+      <p:sp>
+        <p:nvSpPr>
+          <p:cNvPr id="196" name="CaixaDeTexto 195">
+            <a:extLst>
+              <a:ext uri="{FF2B5EF4-FFF2-40B4-BE49-F238E27FC236}">
+                <a16:creationId xmlns:a16="http://schemas.microsoft.com/office/drawing/2014/main" id="{20652B10-1AA3-465E-89E7-6F679515ECA5}"/>
+              </a:ext>
+            </a:extLst>
+          </p:cNvPr>
+          <p:cNvSpPr txBox="1"/>
+          <p:nvPr/>
+        </p:nvSpPr>
+        <p:spPr>
+          <a:xfrm>
+            <a:off x="6429485" y="2928099"/>
+            <a:ext cx="1379030" cy="646331"/>
+          </a:xfrm>
+          <a:prstGeom prst="rect">
+            <a:avLst/>
+          </a:prstGeom>
+          <a:noFill/>
+        </p:spPr>
+        <p:txBody>
+          <a:bodyPr wrap="square" rtlCol="0">
+            <a:spAutoFit/>
+          </a:bodyPr>
+          <a:lstStyle/>
+          <a:p>
+            <a:r>
+              <a:rPr lang="pt-BR" dirty="0" smtClean="0"/>
+              <a:t>Servido em Nuvem</a:t>
+            </a:r>
+            <a:endParaRPr lang="pt-BR" dirty="0"/>
+          </a:p>
+        </p:txBody>
+      </p:sp>
+      <p:sp>
+        <p:nvSpPr>
+          <p:cNvPr id="197" name="CaixaDeTexto 196">
+            <a:extLst>
+              <a:ext uri="{FF2B5EF4-FFF2-40B4-BE49-F238E27FC236}">
+                <a16:creationId xmlns:a16="http://schemas.microsoft.com/office/drawing/2014/main" id="{20652B10-1AA3-465E-89E7-6F679515ECA5}"/>
+              </a:ext>
+            </a:extLst>
+          </p:cNvPr>
+          <p:cNvSpPr txBox="1"/>
+          <p:nvPr/>
+        </p:nvSpPr>
+        <p:spPr>
+          <a:xfrm>
+            <a:off x="6151407" y="5665480"/>
+            <a:ext cx="1813556" cy="923330"/>
+          </a:xfrm>
+          <a:prstGeom prst="rect">
+            <a:avLst/>
+          </a:prstGeom>
+          <a:noFill/>
+        </p:spPr>
+        <p:txBody>
+          <a:bodyPr wrap="square" rtlCol="0">
+            <a:spAutoFit/>
+          </a:bodyPr>
+          <a:lstStyle/>
+          <a:p>
+            <a:r>
+              <a:rPr lang="pt-BR" dirty="0" smtClean="0"/>
+              <a:t>Usuário monitorando seu DASHBORD</a:t>
+            </a:r>
+            <a:endParaRPr lang="pt-BR" dirty="0"/>
+          </a:p>
+        </p:txBody>
+      </p:sp>
+      <p:sp>
+        <p:nvSpPr>
+          <p:cNvPr id="198" name="CaixaDeTexto 197">
+            <a:extLst>
+              <a:ext uri="{FF2B5EF4-FFF2-40B4-BE49-F238E27FC236}">
+                <a16:creationId xmlns:a16="http://schemas.microsoft.com/office/drawing/2014/main" id="{20652B10-1AA3-465E-89E7-6F679515ECA5}"/>
+              </a:ext>
+            </a:extLst>
+          </p:cNvPr>
+          <p:cNvSpPr txBox="1"/>
+          <p:nvPr/>
+        </p:nvSpPr>
+        <p:spPr>
+          <a:xfrm>
+            <a:off x="9721836" y="3105069"/>
+            <a:ext cx="1550862" cy="646331"/>
+          </a:xfrm>
+          <a:prstGeom prst="rect">
+            <a:avLst/>
+          </a:prstGeom>
+          <a:noFill/>
+        </p:spPr>
+        <p:txBody>
+          <a:bodyPr wrap="square" rtlCol="0">
+            <a:spAutoFit/>
+          </a:bodyPr>
+          <a:lstStyle/>
+          <a:p>
+            <a:r>
+              <a:rPr lang="pt-BR" dirty="0" smtClean="0"/>
+              <a:t>Aplicação na nuvem</a:t>
+            </a:r>
+            <a:endParaRPr lang="pt-BR" dirty="0"/>
           </a:p>
         </p:txBody>
       </p:sp>
@@ -4275,6 +4526,13 @@
   <p:clrMapOvr>
     <a:masterClrMapping/>
   </p:clrMapOvr>
+  <p:timing>
+    <p:tnLst>
+      <p:par>
+        <p:cTn id="1" dur="indefinite" restart="never" nodeType="tmRoot"/>
+      </p:par>
+    </p:tnLst>
+  </p:timing>
 </p:sld>
 </file>
 
